--- a/Scrum Wednesday/Scrum3-Cavazos.pptx
+++ b/Scrum Wednesday/Scrum3-Cavazos.pptx
@@ -3248,7 +3248,7 @@
             <p:ph idx="1"/>
             <p:extLst>
               <p:ext uri="{D42A27DB-BD31-4B8C-83A1-F6EECF244321}">
-                <p14:modId xmlns:p14="http://schemas.microsoft.com/office/powerpoint/2010/main" val="1409310948"/>
+                <p14:modId xmlns:p14="http://schemas.microsoft.com/office/powerpoint/2010/main" val="230648237"/>
               </p:ext>
             </p:extLst>
           </p:nvPr>
@@ -3448,7 +3448,7 @@
                       <a:pPr algn="ctr"/>
                       <a:r>
                         <a:rPr lang="en-US" dirty="0" smtClean="0"/>
-                        <a:t>N = 500</a:t>
+                        <a:t>N = 500 (1x)</a:t>
                       </a:r>
                       <a:endParaRPr lang="en-US" dirty="0"/>
                     </a:p>
@@ -3470,7 +3470,7 @@
                           <a:ea typeface="+mn-ea"/>
                           <a:cs typeface="+mn-cs"/>
                         </a:rPr>
-                        <a:t>16241093</a:t>
+                        <a:t>16.241093</a:t>
                       </a:r>
                       <a:endParaRPr lang="en-US" dirty="0"/>
                     </a:p>
@@ -3492,7 +3492,7 @@
                           <a:ea typeface="+mn-ea"/>
                           <a:cs typeface="+mn-cs"/>
                         </a:rPr>
-                        <a:t>15111654</a:t>
+                        <a:t>15.111654</a:t>
                       </a:r>
                       <a:endParaRPr lang="en-US" dirty="0"/>
                     </a:p>
@@ -3514,7 +3514,7 @@
                           <a:ea typeface="+mn-ea"/>
                           <a:cs typeface="+mn-cs"/>
                         </a:rPr>
-                        <a:t>23779308</a:t>
+                        <a:t>23.779308</a:t>
                       </a:r>
                       <a:endParaRPr lang="en-US" dirty="0"/>
                     </a:p>
@@ -3536,7 +3536,7 @@
                           <a:ea typeface="+mn-ea"/>
                           <a:cs typeface="+mn-cs"/>
                         </a:rPr>
-                        <a:t>23775324</a:t>
+                        <a:t>23.775324</a:t>
                       </a:r>
                       <a:endParaRPr lang="en-US" dirty="0"/>
                     </a:p>
@@ -3558,7 +3558,7 @@
                           <a:ea typeface="+mn-ea"/>
                           <a:cs typeface="+mn-cs"/>
                         </a:rPr>
-                        <a:t>20789329</a:t>
+                        <a:t>20.789329</a:t>
                       </a:r>
                       <a:endParaRPr lang="en-US" dirty="0"/>
                     </a:p>
@@ -3575,7 +3575,7 @@
                       <a:pPr algn="ctr"/>
                       <a:r>
                         <a:rPr lang="en-US" dirty="0" smtClean="0"/>
-                        <a:t>N = 707</a:t>
+                        <a:t>N = 707 (2x)</a:t>
                       </a:r>
                       <a:endParaRPr lang="en-US" dirty="0"/>
                     </a:p>
@@ -3597,7 +3597,7 @@
                           <a:ea typeface="+mn-ea"/>
                           <a:cs typeface="+mn-cs"/>
                         </a:rPr>
-                        <a:t>34493172</a:t>
+                        <a:t>34.493172</a:t>
                       </a:r>
                       <a:endParaRPr lang="en-US" dirty="0"/>
                     </a:p>
@@ -3619,7 +3619,7 @@
                           <a:ea typeface="+mn-ea"/>
                           <a:cs typeface="+mn-cs"/>
                         </a:rPr>
-                        <a:t>32018650</a:t>
+                        <a:t>32.018650</a:t>
                       </a:r>
                       <a:endParaRPr lang="en-US" dirty="0"/>
                     </a:p>
@@ -3641,7 +3641,7 @@
                           <a:ea typeface="+mn-ea"/>
                           <a:cs typeface="+mn-cs"/>
                         </a:rPr>
-                        <a:t>46570848</a:t>
+                        <a:t>46.570848</a:t>
                       </a:r>
                       <a:endParaRPr lang="en-US" dirty="0"/>
                     </a:p>
@@ -3663,7 +3663,7 @@
                           <a:ea typeface="+mn-ea"/>
                           <a:cs typeface="+mn-cs"/>
                         </a:rPr>
-                        <a:t>46569628</a:t>
+                        <a:t>46.569628</a:t>
                       </a:r>
                       <a:endParaRPr lang="en-US" dirty="0"/>
                     </a:p>
@@ -3685,7 +3685,7 @@
                           <a:ea typeface="+mn-ea"/>
                           <a:cs typeface="+mn-cs"/>
                         </a:rPr>
-                        <a:t>43846902</a:t>
+                        <a:t>43.846902</a:t>
                       </a:r>
                       <a:endParaRPr lang="en-US" dirty="0"/>
                     </a:p>
@@ -3702,7 +3702,7 @@
                       <a:pPr algn="ctr"/>
                       <a:r>
                         <a:rPr lang="en-US" dirty="0" smtClean="0"/>
-                        <a:t>N = 1000</a:t>
+                        <a:t>N = 1000 (4x)</a:t>
                       </a:r>
                       <a:endParaRPr lang="en-US" dirty="0"/>
                     </a:p>
@@ -3724,7 +3724,7 @@
                           <a:ea typeface="+mn-ea"/>
                           <a:cs typeface="+mn-cs"/>
                         </a:rPr>
-                        <a:t>94787128</a:t>
+                        <a:t>94.787128</a:t>
                       </a:r>
                       <a:endParaRPr lang="en-US" dirty="0"/>
                     </a:p>
@@ -3746,7 +3746,7 @@
                           <a:ea typeface="+mn-ea"/>
                           <a:cs typeface="+mn-cs"/>
                         </a:rPr>
-                        <a:t>63696164</a:t>
+                        <a:t>63.696164</a:t>
                       </a:r>
                       <a:endParaRPr lang="en-US" dirty="0"/>
                     </a:p>
@@ -3768,7 +3768,7 @@
                           <a:ea typeface="+mn-ea"/>
                           <a:cs typeface="+mn-cs"/>
                         </a:rPr>
-                        <a:t>93545800</a:t>
+                        <a:t>93.545800</a:t>
                       </a:r>
                       <a:endParaRPr lang="en-US" dirty="0"/>
                     </a:p>
@@ -3790,7 +3790,7 @@
                           <a:ea typeface="+mn-ea"/>
                           <a:cs typeface="+mn-cs"/>
                         </a:rPr>
-                        <a:t>93545000</a:t>
+                        <a:t>93.545000</a:t>
                       </a:r>
                       <a:endParaRPr lang="en-US" dirty="0"/>
                     </a:p>
@@ -3812,7 +3812,7 @@
                           <a:ea typeface="+mn-ea"/>
                           <a:cs typeface="+mn-cs"/>
                         </a:rPr>
-                        <a:t>87097575</a:t>
+                        <a:t>87.097575</a:t>
                       </a:r>
                       <a:endParaRPr lang="en-US" dirty="0"/>
                     </a:p>
@@ -3828,14 +3828,14 @@
                     <a:p>
                       <a:pPr algn="ctr"/>
                       <a:r>
-                        <a:rPr lang="en-US" dirty="0" smtClean="0"/>
+                        <a:rPr lang="en-US" sz="1800" dirty="0" smtClean="0"/>
                         <a:t>N =</a:t>
                       </a:r>
                       <a:r>
-                        <a:rPr lang="en-US" baseline="0" dirty="0" smtClean="0"/>
-                        <a:t> 1400</a:t>
+                        <a:rPr lang="en-US" sz="1800" baseline="0" dirty="0" smtClean="0"/>
+                        <a:t> 1414 (8x)</a:t>
                       </a:r>
-                      <a:endParaRPr lang="en-US" dirty="0"/>
+                      <a:endParaRPr lang="en-US" sz="1800" dirty="0"/>
                     </a:p>
                   </a:txBody>
                   <a:tcPr/>
@@ -3847,10 +3847,10 @@
                     <a:p>
                       <a:pPr algn="ctr"/>
                       <a:r>
-                        <a:rPr lang="hr-HR" dirty="0" smtClean="0"/>
-                        <a:t>133495776</a:t>
+                        <a:rPr lang="hr-HR" sz="1800" dirty="0" smtClean="0"/>
+                        <a:t>133.495776</a:t>
                       </a:r>
-                      <a:endParaRPr lang="en-US" dirty="0"/>
+                      <a:endParaRPr lang="en-US" sz="1800" dirty="0"/>
                     </a:p>
                   </a:txBody>
                   <a:tcPr/>
@@ -3862,10 +3862,10 @@
                     <a:p>
                       <a:pPr algn="ctr"/>
                       <a:r>
-                        <a:rPr lang="is-IS" dirty="0" smtClean="0"/>
-                        <a:t>124478352</a:t>
+                        <a:rPr lang="is-IS" sz="1800" dirty="0" smtClean="0"/>
+                        <a:t>124.478352</a:t>
                       </a:r>
-                      <a:endParaRPr lang="en-US" dirty="0"/>
+                      <a:endParaRPr lang="en-US" sz="1800" dirty="0"/>
                     </a:p>
                   </a:txBody>
                   <a:tcPr/>
@@ -3877,10 +3877,10 @@
                     <a:p>
                       <a:pPr algn="ctr"/>
                       <a:r>
-                        <a:rPr lang="cs-CZ" dirty="0" smtClean="0"/>
-                        <a:t>183638672</a:t>
+                        <a:rPr lang="cs-CZ" sz="1800" dirty="0" smtClean="0"/>
+                        <a:t>183.638672</a:t>
                       </a:r>
-                      <a:endParaRPr lang="en-US" dirty="0"/>
+                      <a:endParaRPr lang="en-US" sz="1800" dirty="0"/>
                     </a:p>
                   </a:txBody>
                   <a:tcPr/>
@@ -3892,10 +3892,10 @@
                     <a:p>
                       <a:pPr algn="ctr"/>
                       <a:r>
-                        <a:rPr lang="cs-CZ" dirty="0" smtClean="0"/>
-                        <a:t>183619904</a:t>
+                        <a:rPr lang="cs-CZ" sz="1800" dirty="0" smtClean="0"/>
+                        <a:t>183.619904</a:t>
                       </a:r>
-                      <a:endParaRPr lang="en-US" dirty="0"/>
+                      <a:endParaRPr lang="en-US" sz="1800" dirty="0"/>
                     </a:p>
                   </a:txBody>
                   <a:tcPr/>
@@ -3907,10 +3907,10 @@
                     <a:p>
                       <a:pPr algn="ctr"/>
                       <a:r>
-                        <a:rPr lang="cs-CZ" dirty="0" smtClean="0"/>
-                        <a:t>170955836</a:t>
+                        <a:rPr lang="cs-CZ" sz="1800" dirty="0" smtClean="0"/>
+                        <a:t>170.955836</a:t>
                       </a:r>
-                      <a:endParaRPr lang="en-US" dirty="0"/>
+                      <a:endParaRPr lang="en-US" sz="1800" dirty="0"/>
                     </a:p>
                   </a:txBody>
                   <a:tcPr/>
@@ -3924,88 +3924,113 @@
                     <a:p>
                       <a:pPr algn="ctr"/>
                       <a:r>
-                        <a:rPr lang="en-US" dirty="0" smtClean="0"/>
+                        <a:rPr lang="en-US" sz="1800" dirty="0" smtClean="0"/>
                         <a:t>Scaling</a:t>
                       </a:r>
-                      <a:endParaRPr lang="en-US" dirty="0"/>
+                      <a:endParaRPr lang="en-US" sz="1800" dirty="0"/>
                     </a:p>
                   </a:txBody>
-                  <a:tcPr/>
+                  <a:tcPr anchor="ctr"/>
                 </a:tc>
                 <a:tc>
                   <a:txBody>
                     <a:bodyPr/>
                     <a:lstStyle/>
                     <a:p>
-                      <a:pPr algn="ctr"/>
+                      <a:pPr algn="ctr" fontAlgn="ctr"/>
                       <a:r>
-                        <a:rPr lang="nb-NO" dirty="0" smtClean="0"/>
-                        <a:t>71%</a:t>
+                        <a:rPr lang="hr-HR" sz="1800" b="0" i="0" u="none" strike="noStrike">
+                          <a:solidFill>
+                            <a:srgbClr val="000000"/>
+                          </a:solidFill>
+                          <a:effectLst/>
+                          <a:latin typeface="Calibri" charset="0"/>
+                        </a:rPr>
+                        <a:t>97.3%</a:t>
                       </a:r>
-                      <a:endParaRPr lang="en-US" dirty="0"/>
                     </a:p>
                   </a:txBody>
-                  <a:tcPr/>
+                  <a:tcPr marL="12700" marR="12700" marT="12700" marB="0" anchor="ctr"/>
                 </a:tc>
                 <a:tc>
                   <a:txBody>
                     <a:bodyPr/>
                     <a:lstStyle/>
                     <a:p>
-                      <a:pPr algn="ctr"/>
+                      <a:pPr algn="ctr" fontAlgn="ctr"/>
                       <a:r>
-                        <a:rPr lang="en-US" dirty="0" smtClean="0"/>
-                        <a:t>95%</a:t>
+                        <a:rPr lang="hr-HR" sz="1800" b="0" i="0" u="none" strike="noStrike" dirty="0">
+                          <a:solidFill>
+                            <a:srgbClr val="000000"/>
+                          </a:solidFill>
+                          <a:effectLst/>
+                          <a:latin typeface="Calibri" charset="0"/>
+                        </a:rPr>
+                        <a:t>97.1%</a:t>
                       </a:r>
-                      <a:endParaRPr lang="en-US" dirty="0"/>
                     </a:p>
                   </a:txBody>
-                  <a:tcPr/>
+                  <a:tcPr marL="12700" marR="12700" marT="12700" marB="0" anchor="ctr"/>
                 </a:tc>
                 <a:tc>
                   <a:txBody>
                     <a:bodyPr/>
                     <a:lstStyle/>
                     <a:p>
-                      <a:pPr algn="ctr"/>
+                      <a:pPr algn="ctr" fontAlgn="ctr"/>
                       <a:r>
-                        <a:rPr lang="en-US" dirty="0" smtClean="0"/>
-                        <a:t>102%</a:t>
+                        <a:rPr lang="hr-HR" sz="1800" b="0" i="0" u="none" strike="noStrike" dirty="0">
+                          <a:solidFill>
+                            <a:srgbClr val="000000"/>
+                          </a:solidFill>
+                          <a:effectLst/>
+                          <a:latin typeface="Calibri" charset="0"/>
+                        </a:rPr>
+                        <a:t>103.6%</a:t>
                       </a:r>
-                      <a:endParaRPr lang="en-US" dirty="0"/>
                     </a:p>
                   </a:txBody>
-                  <a:tcPr/>
+                  <a:tcPr marL="12700" marR="12700" marT="12700" marB="0" anchor="ctr"/>
                 </a:tc>
                 <a:tc>
                   <a:txBody>
                     <a:bodyPr/>
                     <a:lstStyle/>
                     <a:p>
-                      <a:pPr algn="ctr"/>
+                      <a:pPr algn="ctr" fontAlgn="ctr"/>
                       <a:r>
-                        <a:rPr lang="en-US" dirty="0" smtClean="0"/>
-                        <a:t>102%</a:t>
+                        <a:rPr lang="hr-HR" sz="1800" b="0" i="0" u="none" strike="noStrike" dirty="0">
+                          <a:solidFill>
+                            <a:srgbClr val="000000"/>
+                          </a:solidFill>
+                          <a:effectLst/>
+                          <a:latin typeface="Calibri" charset="0"/>
+                        </a:rPr>
+                        <a:t>103.6%</a:t>
                       </a:r>
-                      <a:endParaRPr lang="en-US" dirty="0"/>
                     </a:p>
                   </a:txBody>
-                  <a:tcPr/>
+                  <a:tcPr marL="12700" marR="12700" marT="12700" marB="0" anchor="ctr"/>
                 </a:tc>
                 <a:tc>
                   <a:txBody>
                     <a:bodyPr/>
                     <a:lstStyle/>
                     <a:p>
-                      <a:pPr algn="ctr"/>
+                      <a:pPr algn="ctr" fontAlgn="ctr"/>
                       <a:r>
-                        <a:rPr lang="en-US" dirty="0" smtClean="0"/>
-                        <a:t>95%</a:t>
+                        <a:rPr lang="hr-HR" sz="1800" b="0" i="0" u="none" strike="noStrike" dirty="0">
+                          <a:solidFill>
+                            <a:srgbClr val="000000"/>
+                          </a:solidFill>
+                          <a:effectLst/>
+                          <a:latin typeface="Calibri" charset="0"/>
+                        </a:rPr>
+                        <a:t>97.3%</a:t>
                       </a:r>
-                      <a:endParaRPr lang="en-US" dirty="0"/>
                     </a:p>
                   </a:txBody>
-                  <a:tcPr/>
+                  <a:tcPr marL="12700" marR="12700" marT="12700" marB="0" anchor="ctr"/>
                 </a:tc>
               </a:tr>
             </a:tbl>
